--- a/Lessons/I_APIs_NewDataSources_ReportingAutomation/data/diabetesReadout_Wk2.pptx
+++ b/Lessons/I_APIs_NewDataSources_ReportingAutomation/data/diabetesReadout_Wk2.pptx
@@ -4200,7 +4200,7 @@
           <a:p>
             <a:r>
               <a:rPr/>
-              <a:t>2019-10-30 Patient Review</a:t>
+              <a:t>2019-10-31 Patient Review</a:t>
             </a:r>
           </a:p>
         </p:txBody>
@@ -4961,7 +4961,34 @@
       </p:sp>
       <p:sp xmlns:a="http://schemas.openxmlformats.org/drawingml/2006/main" xmlns:r="http://schemas.openxmlformats.org/officeDocument/2006/relationships" xmlns:p="http://schemas.openxmlformats.org/presentationml/2006/main">
         <p:nvSpPr>
-          <p:cNvPr id="4" name="Text Placeholder 2"/>
+          <p:cNvPr id="4" name="Text Placeholder 4"/>
+          <p:cNvSpPr>
+            <a:spLocks noGrp="1"/>
+          </p:cNvSpPr>
+          <p:nvPr>
+            <p:ph/>
+          </p:nvPr>
+        </p:nvSpPr>
+        <p:spPr>
+          <a:xfrm rot="-0">
+            <a:off x="4645025" y="1535113"/>
+            <a:ext cx="4041775" cy="639762"/>
+          </a:xfrm>
+        </p:spPr>
+        <p:txBody>
+          <a:bodyPr/>
+          <a:lstStyle/>
+          <a:p>
+            <a:r>
+              <a:rPr/>
+              <a:t>Readmissions in last 7days</a:t>
+            </a:r>
+          </a:p>
+        </p:txBody>
+      </p:sp>
+      <p:sp xmlns:a="http://schemas.openxmlformats.org/drawingml/2006/main" xmlns:r="http://schemas.openxmlformats.org/officeDocument/2006/relationships" xmlns:p="http://schemas.openxmlformats.org/presentationml/2006/main">
+        <p:nvSpPr>
+          <p:cNvPr id="5" name="Text Placeholder 2"/>
           <p:cNvSpPr>
             <a:spLocks noGrp="1"/>
           </p:cNvSpPr>
@@ -4988,7 +5015,7 @@
       </p:sp>
       <p:pic xmlns:a="http://schemas.openxmlformats.org/drawingml/2006/main" xmlns:r="http://schemas.openxmlformats.org/officeDocument/2006/relationships" xmlns:p="http://schemas.openxmlformats.org/presentationml/2006/main">
         <p:nvPicPr>
-          <p:cNvPr id="5" name="pic"/>
+          <p:cNvPr id="6" name="pic"/>
           <p:cNvPicPr/>
           <p:nvPr/>
         </p:nvPicPr>
@@ -5010,7 +5037,7 @@
       </p:pic>
       <p:pic xmlns:a="http://schemas.openxmlformats.org/drawingml/2006/main" xmlns:r="http://schemas.openxmlformats.org/officeDocument/2006/relationships" xmlns:p="http://schemas.openxmlformats.org/presentationml/2006/main">
         <p:nvPicPr>
-          <p:cNvPr id="6" name="pic"/>
+          <p:cNvPr id="7" name="pic"/>
           <p:cNvPicPr/>
           <p:nvPr/>
         </p:nvPicPr>
